--- a/Documentos/RNF.pptx
+++ b/Documentos/RNF.pptx
@@ -15,7 +15,10 @@
     <p:sldId id="263" r:id="rId9"/>
     <p:sldId id="264" r:id="rId10"/>
     <p:sldId id="265" r:id="rId11"/>
-    <p:sldId id="266" r:id="rId12"/>
+    <p:sldId id="267" r:id="rId12"/>
+    <p:sldId id="266" r:id="rId13"/>
+    <p:sldId id="268" r:id="rId14"/>
+    <p:sldId id="269" r:id="rId15"/>
   </p:sldIdLst>
   <p:sldSz cx="12192000" cy="6858000"/>
   <p:notesSz cx="6858000" cy="9144000"/>
@@ -114,6 +117,11 @@
       </a:defRPr>
     </a:lvl9pPr>
   </p:defaultTextStyle>
+  <p:extLst>
+    <p:ext uri="{EFAFB233-063F-42B5-8137-9DF3F51BA10A}">
+      <p15:sldGuideLst xmlns:p15="http://schemas.microsoft.com/office/powerpoint/2012/main"/>
+    </p:ext>
+  </p:extLst>
 </p:presentation>
 </file>
 
@@ -7799,50 +7807,59 @@
           <a:p>
             <a:r>
               <a:rPr lang="es-419" dirty="0"/>
-              <a:t>•	Los métodos deben tener un tamaño reducido</a:t>
+              <a:t>Los métodos deben tener un tamaño reducido</a:t>
             </a:r>
           </a:p>
           <a:p>
             <a:r>
               <a:rPr lang="es-419" dirty="0"/>
-              <a:t>•	Los métodos no deben ser excesivamente pequeños, puesto que, en ese caso, se estaría alcanzando una modularidad exagerada, es decir, se podría llegar a una atomización de los componentes</a:t>
+              <a:t>Los métodos no deben ser excesivamente pequeños, puesto que, en ese caso, se estaría alcanzando una modularidad exagerada, es decir, se podría llegar a una atomización de los componentes</a:t>
             </a:r>
           </a:p>
           <a:p>
             <a:r>
               <a:rPr lang="es-419" dirty="0"/>
-              <a:t>•	Las clases deben tener el número apropiado de métodos</a:t>
+              <a:t>Las clases deben tener el número apropiado de métodos</a:t>
             </a:r>
           </a:p>
           <a:p>
             <a:r>
               <a:rPr lang="es-419" dirty="0"/>
-              <a:t>•	Las clases deben tener el número apropiado de atributos.</a:t>
-            </a:r>
-          </a:p>
-          <a:p>
-            <a:r>
-              <a:rPr lang="es-419" dirty="0"/>
-              <a:t>•	Las clases deben tener un único objetivo. El concepto de modularidad se basa en que cada módulo represente una única funcionalidad</a:t>
-            </a:r>
-          </a:p>
-          <a:p>
-            <a:r>
-              <a:rPr lang="es-419" dirty="0"/>
-              <a:t>•	Dentro de una jerarquía de clases, cuanto mayor sea el número de relaciones de herencia, más disminuirá la modularidad debido a las interrelaciones que se crean</a:t>
-            </a:r>
-          </a:p>
-          <a:p>
-            <a:r>
-              <a:rPr lang="es-419" dirty="0"/>
-              <a:t>•	Las jerarquías de clases deben tener el número apropiado de clases, atendiendo a la finalidad de la jerarquía</a:t>
-            </a:r>
-          </a:p>
-          <a:p>
-            <a:endParaRPr lang="es-419" dirty="0"/>
-          </a:p>
-        </p:txBody>
-      </p:sp>
+              <a:t>Las clases deben tener el número apropiado de atributos.	</a:t>
+            </a:r>
+          </a:p>
+        </p:txBody>
+      </p:sp>
+      <p:pic>
+        <p:nvPicPr>
+          <p:cNvPr id="2" name="Imagen 1">
+            <a:extLst>
+              <a:ext uri="{FF2B5EF4-FFF2-40B4-BE49-F238E27FC236}">
+                <a16:creationId xmlns:a16="http://schemas.microsoft.com/office/drawing/2014/main" id="{4EEE1E3B-449D-4B71-AF39-4F2DF1486600}"/>
+              </a:ext>
+            </a:extLst>
+          </p:cNvPr>
+          <p:cNvPicPr>
+            <a:picLocks noChangeAspect="1"/>
+          </p:cNvPicPr>
+          <p:nvPr/>
+        </p:nvPicPr>
+        <p:blipFill>
+          <a:blip r:embed="rId2"/>
+          <a:stretch>
+            <a:fillRect/>
+          </a:stretch>
+        </p:blipFill>
+        <p:spPr>
+          <a:xfrm>
+            <a:off x="4147478" y="3515969"/>
+            <a:ext cx="4883980" cy="2395253"/>
+          </a:xfrm>
+          <a:prstGeom prst="rect">
+            <a:avLst/>
+          </a:prstGeom>
+        </p:spPr>
+      </p:pic>
     </p:spTree>
     <p:extLst>
       <p:ext uri="{BB962C8B-B14F-4D97-AF65-F5344CB8AC3E}">
@@ -7891,6 +7908,113 @@
         </p:nvSpPr>
         <p:spPr>
           <a:xfrm>
+            <a:off x="1998369" y="1036096"/>
+            <a:ext cx="4543108" cy="4785807"/>
+          </a:xfrm>
+        </p:spPr>
+        <p:txBody>
+          <a:bodyPr>
+            <a:normAutofit/>
+          </a:bodyPr>
+          <a:lstStyle/>
+          <a:p>
+            <a:r>
+              <a:rPr lang="es-419" dirty="0"/>
+              <a:t>Las clases deben tener un único objetivo. El concepto de modularidad se basa en que cada módulo represente una única funcionalidad</a:t>
+            </a:r>
+          </a:p>
+          <a:p>
+            <a:r>
+              <a:rPr lang="es-419" dirty="0"/>
+              <a:t>Dentro de una jerarquía de clases, cuanto mayor sea el número de relaciones de herencia, más disminuirá la modularidad debido a las interrelaciones que se crean</a:t>
+            </a:r>
+          </a:p>
+          <a:p>
+            <a:r>
+              <a:rPr lang="es-419" dirty="0"/>
+              <a:t>Las jerarquías de clases deben tener el número apropiado de clases, atendiendo a la finalidad de la jerarquía	</a:t>
+            </a:r>
+          </a:p>
+        </p:txBody>
+      </p:sp>
+      <p:pic>
+        <p:nvPicPr>
+          <p:cNvPr id="2" name="Imagen 1">
+            <a:extLst>
+              <a:ext uri="{FF2B5EF4-FFF2-40B4-BE49-F238E27FC236}">
+                <a16:creationId xmlns:a16="http://schemas.microsoft.com/office/drawing/2014/main" id="{5D8F3928-AE24-46EB-8B7C-9223D643E03B}"/>
+              </a:ext>
+            </a:extLst>
+          </p:cNvPr>
+          <p:cNvPicPr>
+            <a:picLocks noChangeAspect="1"/>
+          </p:cNvPicPr>
+          <p:nvPr/>
+        </p:nvPicPr>
+        <p:blipFill>
+          <a:blip r:embed="rId2"/>
+          <a:stretch>
+            <a:fillRect/>
+          </a:stretch>
+        </p:blipFill>
+        <p:spPr>
+          <a:xfrm>
+            <a:off x="7506212" y="1211433"/>
+            <a:ext cx="3855780" cy="3740395"/>
+          </a:xfrm>
+          <a:prstGeom prst="rect">
+            <a:avLst/>
+          </a:prstGeom>
+        </p:spPr>
+      </p:pic>
+    </p:spTree>
+    <p:extLst>
+      <p:ext uri="{BB962C8B-B14F-4D97-AF65-F5344CB8AC3E}">
+        <p14:creationId xmlns:p14="http://schemas.microsoft.com/office/powerpoint/2010/main" val="1844701363"/>
+      </p:ext>
+    </p:extLst>
+  </p:cSld>
+  <p:clrMapOvr>
+    <a:masterClrMapping/>
+  </p:clrMapOvr>
+</p:sld>
+</file>
+
+<file path=ppt/slides/slide12.xml><?xml version="1.0" encoding="utf-8"?>
+<p:sld xmlns:a="http://schemas.openxmlformats.org/drawingml/2006/main" xmlns:r="http://schemas.openxmlformats.org/officeDocument/2006/relationships" xmlns:p="http://schemas.openxmlformats.org/presentationml/2006/main">
+  <p:cSld>
+    <p:spTree>
+      <p:nvGrpSpPr>
+        <p:cNvPr id="1" name=""/>
+        <p:cNvGrpSpPr/>
+        <p:nvPr/>
+      </p:nvGrpSpPr>
+      <p:grpSpPr>
+        <a:xfrm>
+          <a:off x="0" y="0"/>
+          <a:ext cx="0" cy="0"/>
+          <a:chOff x="0" y="0"/>
+          <a:chExt cx="0" cy="0"/>
+        </a:xfrm>
+      </p:grpSpPr>
+      <p:sp>
+        <p:nvSpPr>
+          <p:cNvPr id="3" name="Marcador de contenido 2">
+            <a:extLst>
+              <a:ext uri="{FF2B5EF4-FFF2-40B4-BE49-F238E27FC236}">
+                <a16:creationId xmlns:a16="http://schemas.microsoft.com/office/drawing/2014/main" id="{93101587-77C4-4302-83CC-ABB53DE50267}"/>
+              </a:ext>
+            </a:extLst>
+          </p:cNvPr>
+          <p:cNvSpPr>
+            <a:spLocks noGrp="1"/>
+          </p:cNvSpPr>
+          <p:nvPr>
+            <p:ph idx="1"/>
+          </p:nvPr>
+        </p:nvSpPr>
+        <p:spPr>
+          <a:xfrm>
             <a:off x="2589212" y="1125415"/>
             <a:ext cx="8915400" cy="4979963"/>
           </a:xfrm>
@@ -7954,6 +8078,126 @@
     <p:extLst>
       <p:ext uri="{BB962C8B-B14F-4D97-AF65-F5344CB8AC3E}">
         <p14:creationId xmlns:p14="http://schemas.microsoft.com/office/powerpoint/2010/main" val="2759621909"/>
+      </p:ext>
+    </p:extLst>
+  </p:cSld>
+  <p:clrMapOvr>
+    <a:masterClrMapping/>
+  </p:clrMapOvr>
+</p:sld>
+</file>
+
+<file path=ppt/slides/slide13.xml><?xml version="1.0" encoding="utf-8"?>
+<p:sld xmlns:a="http://schemas.openxmlformats.org/drawingml/2006/main" xmlns:r="http://schemas.openxmlformats.org/officeDocument/2006/relationships" xmlns:p="http://schemas.openxmlformats.org/presentationml/2006/main">
+  <p:cSld>
+    <p:spTree>
+      <p:nvGrpSpPr>
+        <p:cNvPr id="1" name=""/>
+        <p:cNvGrpSpPr/>
+        <p:nvPr/>
+      </p:nvGrpSpPr>
+      <p:grpSpPr>
+        <a:xfrm>
+          <a:off x="0" y="0"/>
+          <a:ext cx="0" cy="0"/>
+          <a:chOff x="0" y="0"/>
+          <a:chExt cx="0" cy="0"/>
+        </a:xfrm>
+      </p:grpSpPr>
+      <p:pic>
+        <p:nvPicPr>
+          <p:cNvPr id="4" name="Imagen 3">
+            <a:extLst>
+              <a:ext uri="{FF2B5EF4-FFF2-40B4-BE49-F238E27FC236}">
+                <a16:creationId xmlns:a16="http://schemas.microsoft.com/office/drawing/2014/main" id="{02853683-C7F6-451C-A904-0235E9F88214}"/>
+              </a:ext>
+            </a:extLst>
+          </p:cNvPr>
+          <p:cNvPicPr>
+            <a:picLocks noChangeAspect="1"/>
+          </p:cNvPicPr>
+          <p:nvPr/>
+        </p:nvPicPr>
+        <p:blipFill>
+          <a:blip r:embed="rId2"/>
+          <a:stretch>
+            <a:fillRect/>
+          </a:stretch>
+        </p:blipFill>
+        <p:spPr>
+          <a:xfrm>
+            <a:off x="663389" y="1885525"/>
+            <a:ext cx="10865222" cy="2622159"/>
+          </a:xfrm>
+          <a:prstGeom prst="rect">
+            <a:avLst/>
+          </a:prstGeom>
+        </p:spPr>
+      </p:pic>
+    </p:spTree>
+    <p:extLst>
+      <p:ext uri="{BB962C8B-B14F-4D97-AF65-F5344CB8AC3E}">
+        <p14:creationId xmlns:p14="http://schemas.microsoft.com/office/powerpoint/2010/main" val="1656981372"/>
+      </p:ext>
+    </p:extLst>
+  </p:cSld>
+  <p:clrMapOvr>
+    <a:masterClrMapping/>
+  </p:clrMapOvr>
+</p:sld>
+</file>
+
+<file path=ppt/slides/slide14.xml><?xml version="1.0" encoding="utf-8"?>
+<p:sld xmlns:a="http://schemas.openxmlformats.org/drawingml/2006/main" xmlns:r="http://schemas.openxmlformats.org/officeDocument/2006/relationships" xmlns:p="http://schemas.openxmlformats.org/presentationml/2006/main">
+  <p:cSld>
+    <p:spTree>
+      <p:nvGrpSpPr>
+        <p:cNvPr id="1" name=""/>
+        <p:cNvGrpSpPr/>
+        <p:nvPr/>
+      </p:nvGrpSpPr>
+      <p:grpSpPr>
+        <a:xfrm>
+          <a:off x="0" y="0"/>
+          <a:ext cx="0" cy="0"/>
+          <a:chOff x="0" y="0"/>
+          <a:chExt cx="0" cy="0"/>
+        </a:xfrm>
+      </p:grpSpPr>
+      <p:pic>
+        <p:nvPicPr>
+          <p:cNvPr id="5" name="Imagen 4">
+            <a:extLst>
+              <a:ext uri="{FF2B5EF4-FFF2-40B4-BE49-F238E27FC236}">
+                <a16:creationId xmlns:a16="http://schemas.microsoft.com/office/drawing/2014/main" id="{579ACE65-71B8-4EEE-81E6-8E524BD9DDC6}"/>
+              </a:ext>
+            </a:extLst>
+          </p:cNvPr>
+          <p:cNvPicPr>
+            <a:picLocks noChangeAspect="1"/>
+          </p:cNvPicPr>
+          <p:nvPr/>
+        </p:nvPicPr>
+        <p:blipFill>
+          <a:blip r:embed="rId2"/>
+          <a:stretch>
+            <a:fillRect/>
+          </a:stretch>
+        </p:blipFill>
+        <p:spPr>
+          <a:xfrm>
+            <a:off x="3192121" y="601394"/>
+            <a:ext cx="6669331" cy="5278094"/>
+          </a:xfrm>
+          <a:prstGeom prst="rect">
+            <a:avLst/>
+          </a:prstGeom>
+        </p:spPr>
+      </p:pic>
+    </p:spTree>
+    <p:extLst>
+      <p:ext uri="{BB962C8B-B14F-4D97-AF65-F5344CB8AC3E}">
+        <p14:creationId xmlns:p14="http://schemas.microsoft.com/office/powerpoint/2010/main" val="4262156722"/>
       </p:ext>
     </p:extLst>
   </p:cSld>
@@ -8265,9 +8509,16 @@
             <p:ph idx="1"/>
           </p:nvPr>
         </p:nvSpPr>
-        <p:spPr/>
-        <p:txBody>
-          <a:bodyPr/>
+        <p:spPr>
+          <a:xfrm>
+            <a:off x="2592925" y="1540189"/>
+            <a:ext cx="4947358" cy="3777622"/>
+          </a:xfrm>
+        </p:spPr>
+        <p:txBody>
+          <a:bodyPr>
+            <a:normAutofit fontScale="92500" lnSpcReduction="10000"/>
+          </a:bodyPr>
           <a:lstStyle/>
           <a:p>
             <a:r>
@@ -8283,6 +8534,36 @@
           </a:p>
         </p:txBody>
       </p:sp>
+      <p:pic>
+        <p:nvPicPr>
+          <p:cNvPr id="4" name="Imagen 3">
+            <a:extLst>
+              <a:ext uri="{FF2B5EF4-FFF2-40B4-BE49-F238E27FC236}">
+                <a16:creationId xmlns:a16="http://schemas.microsoft.com/office/drawing/2014/main" id="{832D46A0-D2C9-4E48-80BA-B3DDA0B21A9A}"/>
+              </a:ext>
+            </a:extLst>
+          </p:cNvPr>
+          <p:cNvPicPr>
+            <a:picLocks noChangeAspect="1"/>
+          </p:cNvPicPr>
+          <p:nvPr/>
+        </p:nvPicPr>
+        <p:blipFill>
+          <a:blip r:embed="rId2"/>
+          <a:stretch>
+            <a:fillRect/>
+          </a:stretch>
+        </p:blipFill>
+        <p:spPr>
+          <a:xfrm>
+            <a:off x="7646987" y="1863892"/>
+            <a:ext cx="3857625" cy="3286125"/>
+          </a:xfrm>
+          <a:prstGeom prst="rect">
+            <a:avLst/>
+          </a:prstGeom>
+        </p:spPr>
+      </p:pic>
     </p:spTree>
     <p:extLst>
       <p:ext uri="{BB962C8B-B14F-4D97-AF65-F5344CB8AC3E}">
@@ -8358,10 +8639,15 @@
             <p:ph idx="1"/>
           </p:nvPr>
         </p:nvSpPr>
-        <p:spPr/>
+        <p:spPr>
+          <a:xfrm>
+            <a:off x="1351255" y="1905000"/>
+            <a:ext cx="7483256" cy="3777622"/>
+          </a:xfrm>
+        </p:spPr>
         <p:txBody>
           <a:bodyPr>
-            <a:normAutofit lnSpcReduction="10000"/>
+            <a:normAutofit fontScale="92500" lnSpcReduction="20000"/>
           </a:bodyPr>
           <a:lstStyle/>
           <a:p>
@@ -8415,6 +8701,36 @@
           </a:p>
         </p:txBody>
       </p:sp>
+      <p:pic>
+        <p:nvPicPr>
+          <p:cNvPr id="4" name="Imagen 3">
+            <a:extLst>
+              <a:ext uri="{FF2B5EF4-FFF2-40B4-BE49-F238E27FC236}">
+                <a16:creationId xmlns:a16="http://schemas.microsoft.com/office/drawing/2014/main" id="{25F005AF-3789-4D6F-A8CC-477FBF033D27}"/>
+              </a:ext>
+            </a:extLst>
+          </p:cNvPr>
+          <p:cNvPicPr>
+            <a:picLocks noChangeAspect="1"/>
+          </p:cNvPicPr>
+          <p:nvPr/>
+        </p:nvPicPr>
+        <p:blipFill>
+          <a:blip r:embed="rId2"/>
+          <a:stretch>
+            <a:fillRect/>
+          </a:stretch>
+        </p:blipFill>
+        <p:spPr>
+          <a:xfrm>
+            <a:off x="8953902" y="2399935"/>
+            <a:ext cx="2980410" cy="2259037"/>
+          </a:xfrm>
+          <a:prstGeom prst="rect">
+            <a:avLst/>
+          </a:prstGeom>
+        </p:spPr>
+      </p:pic>
     </p:spTree>
     <p:extLst>
       <p:ext uri="{BB962C8B-B14F-4D97-AF65-F5344CB8AC3E}">
@@ -8490,7 +8806,12 @@
             <p:ph idx="1"/>
           </p:nvPr>
         </p:nvSpPr>
-        <p:spPr/>
+        <p:spPr>
+          <a:xfrm>
+            <a:off x="2096843" y="1540189"/>
+            <a:ext cx="8915400" cy="3777622"/>
+          </a:xfrm>
+        </p:spPr>
         <p:txBody>
           <a:bodyPr/>
           <a:lstStyle/>
@@ -8502,6 +8823,36 @@
           </a:p>
         </p:txBody>
       </p:sp>
+      <p:pic>
+        <p:nvPicPr>
+          <p:cNvPr id="4" name="Imagen 3">
+            <a:extLst>
+              <a:ext uri="{FF2B5EF4-FFF2-40B4-BE49-F238E27FC236}">
+                <a16:creationId xmlns:a16="http://schemas.microsoft.com/office/drawing/2014/main" id="{E7189EB9-747C-4F7C-A465-746E7A8B5667}"/>
+              </a:ext>
+            </a:extLst>
+          </p:cNvPr>
+          <p:cNvPicPr>
+            <a:picLocks noChangeAspect="1"/>
+          </p:cNvPicPr>
+          <p:nvPr/>
+        </p:nvPicPr>
+        <p:blipFill>
+          <a:blip r:embed="rId2"/>
+          <a:stretch>
+            <a:fillRect/>
+          </a:stretch>
+        </p:blipFill>
+        <p:spPr>
+          <a:xfrm>
+            <a:off x="3918511" y="3429000"/>
+            <a:ext cx="3876675" cy="3086100"/>
+          </a:xfrm>
+          <a:prstGeom prst="rect">
+            <a:avLst/>
+          </a:prstGeom>
+        </p:spPr>
+      </p:pic>
     </p:spTree>
     <p:extLst>
       <p:ext uri="{BB962C8B-B14F-4D97-AF65-F5344CB8AC3E}">
@@ -8577,7 +8928,12 @@
             <p:ph idx="1"/>
           </p:nvPr>
         </p:nvSpPr>
-        <p:spPr/>
+        <p:spPr>
+          <a:xfrm>
+            <a:off x="1343806" y="1779639"/>
+            <a:ext cx="4979206" cy="3777622"/>
+          </a:xfrm>
+        </p:spPr>
         <p:txBody>
           <a:bodyPr/>
           <a:lstStyle/>
@@ -8604,6 +8960,36 @@
           </a:p>
         </p:txBody>
       </p:sp>
+      <p:pic>
+        <p:nvPicPr>
+          <p:cNvPr id="4" name="Imagen 3">
+            <a:extLst>
+              <a:ext uri="{FF2B5EF4-FFF2-40B4-BE49-F238E27FC236}">
+                <a16:creationId xmlns:a16="http://schemas.microsoft.com/office/drawing/2014/main" id="{57E28FB2-6EC3-42C3-9161-8278AAC79052}"/>
+              </a:ext>
+            </a:extLst>
+          </p:cNvPr>
+          <p:cNvPicPr>
+            <a:picLocks noChangeAspect="1"/>
+          </p:cNvPicPr>
+          <p:nvPr/>
+        </p:nvPicPr>
+        <p:blipFill>
+          <a:blip r:embed="rId2"/>
+          <a:stretch>
+            <a:fillRect/>
+          </a:stretch>
+        </p:blipFill>
+        <p:spPr>
+          <a:xfrm>
+            <a:off x="6690851" y="1396737"/>
+            <a:ext cx="5181600" cy="4543425"/>
+          </a:xfrm>
+          <a:prstGeom prst="rect">
+            <a:avLst/>
+          </a:prstGeom>
+        </p:spPr>
+      </p:pic>
     </p:spTree>
     <p:extLst>
       <p:ext uri="{BB962C8B-B14F-4D97-AF65-F5344CB8AC3E}">
@@ -8679,7 +9065,12 @@
             <p:ph idx="1"/>
           </p:nvPr>
         </p:nvSpPr>
-        <p:spPr/>
+        <p:spPr>
+          <a:xfrm>
+            <a:off x="2353238" y="1646903"/>
+            <a:ext cx="8915400" cy="3777622"/>
+          </a:xfrm>
+        </p:spPr>
         <p:txBody>
           <a:bodyPr/>
           <a:lstStyle/>
@@ -8696,10 +9087,46 @@
             </a:r>
           </a:p>
           <a:p>
+            <a:r>
+              <a:rPr lang="es-419" dirty="0"/>
+              <a:t>Se define un sistema distribuido como aquel en el que los componentes de hardware, localizados en computadores unidos mediante una red, comunican y coordinan sus acciones solo mediante el paso de mensajes.</a:t>
+            </a:r>
+          </a:p>
+          <a:p>
             <a:endParaRPr lang="es-419" dirty="0"/>
           </a:p>
         </p:txBody>
       </p:sp>
+      <p:pic>
+        <p:nvPicPr>
+          <p:cNvPr id="4" name="Imagen 3">
+            <a:extLst>
+              <a:ext uri="{FF2B5EF4-FFF2-40B4-BE49-F238E27FC236}">
+                <a16:creationId xmlns:a16="http://schemas.microsoft.com/office/drawing/2014/main" id="{0F043490-6756-41B3-A4F6-A5AA3D8BABDB}"/>
+              </a:ext>
+            </a:extLst>
+          </p:cNvPr>
+          <p:cNvPicPr>
+            <a:picLocks noChangeAspect="1"/>
+          </p:cNvPicPr>
+          <p:nvPr/>
+        </p:nvPicPr>
+        <p:blipFill>
+          <a:blip r:embed="rId2"/>
+          <a:stretch>
+            <a:fillRect/>
+          </a:stretch>
+        </p:blipFill>
+        <p:spPr>
+          <a:xfrm>
+            <a:off x="3967314" y="3988742"/>
+            <a:ext cx="4557369" cy="2355371"/>
+          </a:xfrm>
+          <a:prstGeom prst="rect">
+            <a:avLst/>
+          </a:prstGeom>
+        </p:spPr>
+      </p:pic>
     </p:spTree>
     <p:extLst>
       <p:ext uri="{BB962C8B-B14F-4D97-AF65-F5344CB8AC3E}">
@@ -8775,9 +9202,16 @@
             <p:ph idx="1"/>
           </p:nvPr>
         </p:nvSpPr>
-        <p:spPr/>
-        <p:txBody>
-          <a:bodyPr/>
+        <p:spPr>
+          <a:xfrm>
+            <a:off x="699345" y="1540188"/>
+            <a:ext cx="6756954" cy="4919606"/>
+          </a:xfrm>
+        </p:spPr>
+        <p:txBody>
+          <a:bodyPr>
+            <a:normAutofit/>
+          </a:bodyPr>
           <a:lstStyle/>
           <a:p>
             <a:r>
@@ -8805,6 +9239,36 @@
           </a:p>
         </p:txBody>
       </p:sp>
+      <p:pic>
+        <p:nvPicPr>
+          <p:cNvPr id="4" name="Imagen 3">
+            <a:extLst>
+              <a:ext uri="{FF2B5EF4-FFF2-40B4-BE49-F238E27FC236}">
+                <a16:creationId xmlns:a16="http://schemas.microsoft.com/office/drawing/2014/main" id="{6BE8C83F-BF23-4829-A069-68346D39405F}"/>
+              </a:ext>
+            </a:extLst>
+          </p:cNvPr>
+          <p:cNvPicPr>
+            <a:picLocks noChangeAspect="1"/>
+          </p:cNvPicPr>
+          <p:nvPr/>
+        </p:nvPicPr>
+        <p:blipFill>
+          <a:blip r:embed="rId2"/>
+          <a:stretch>
+            <a:fillRect/>
+          </a:stretch>
+        </p:blipFill>
+        <p:spPr>
+          <a:xfrm>
+            <a:off x="7456299" y="1905000"/>
+            <a:ext cx="4391025" cy="2809875"/>
+          </a:xfrm>
+          <a:prstGeom prst="rect">
+            <a:avLst/>
+          </a:prstGeom>
+        </p:spPr>
+      </p:pic>
     </p:spTree>
     <p:extLst>
       <p:ext uri="{BB962C8B-B14F-4D97-AF65-F5344CB8AC3E}">

--- a/Documentos/RNF.pptx
+++ b/Documentos/RNF.pptx
@@ -19,6 +19,8 @@
     <p:sldId id="266" r:id="rId13"/>
     <p:sldId id="268" r:id="rId14"/>
     <p:sldId id="269" r:id="rId15"/>
+    <p:sldId id="270" r:id="rId16"/>
+    <p:sldId id="271" r:id="rId17"/>
   </p:sldIdLst>
   <p:sldSz cx="12192000" cy="6858000"/>
   <p:notesSz cx="6858000" cy="9144000"/>
@@ -313,7 +315,7 @@
           <a:p>
             <a:fld id="{3879AECE-A368-4EAB-B957-94611AB53746}" type="datetimeFigureOut">
               <a:rPr lang="es-419" smtClean="0"/>
-              <a:t>18/9/2020</a:t>
+              <a:t>19/9/2020</a:t>
             </a:fld>
             <a:endParaRPr lang="es-419"/>
           </a:p>
@@ -651,7 +653,7 @@
           <a:p>
             <a:fld id="{3879AECE-A368-4EAB-B957-94611AB53746}" type="datetimeFigureOut">
               <a:rPr lang="es-419" smtClean="0"/>
-              <a:t>18/9/2020</a:t>
+              <a:t>19/9/2020</a:t>
             </a:fld>
             <a:endParaRPr lang="es-419"/>
           </a:p>
@@ -1052,7 +1054,7 @@
           <a:p>
             <a:fld id="{3879AECE-A368-4EAB-B957-94611AB53746}" type="datetimeFigureOut">
               <a:rPr lang="es-419" smtClean="0"/>
-              <a:t>18/9/2020</a:t>
+              <a:t>19/9/2020</a:t>
             </a:fld>
             <a:endParaRPr lang="es-419"/>
           </a:p>
@@ -1388,7 +1390,7 @@
           <a:p>
             <a:fld id="{3879AECE-A368-4EAB-B957-94611AB53746}" type="datetimeFigureOut">
               <a:rPr lang="es-419" smtClean="0"/>
-              <a:t>18/9/2020</a:t>
+              <a:t>19/9/2020</a:t>
             </a:fld>
             <a:endParaRPr lang="es-419"/>
           </a:p>
@@ -1708,7 +1710,7 @@
           <a:p>
             <a:fld id="{3879AECE-A368-4EAB-B957-94611AB53746}" type="datetimeFigureOut">
               <a:rPr lang="es-419" smtClean="0"/>
-              <a:t>18/9/2020</a:t>
+              <a:t>19/9/2020</a:t>
             </a:fld>
             <a:endParaRPr lang="es-419"/>
           </a:p>
@@ -2104,7 +2106,7 @@
           <a:p>
             <a:fld id="{3879AECE-A368-4EAB-B957-94611AB53746}" type="datetimeFigureOut">
               <a:rPr lang="es-419" smtClean="0"/>
-              <a:t>18/9/2020</a:t>
+              <a:t>19/9/2020</a:t>
             </a:fld>
             <a:endParaRPr lang="es-419"/>
           </a:p>
@@ -2361,7 +2363,7 @@
           <a:p>
             <a:fld id="{3879AECE-A368-4EAB-B957-94611AB53746}" type="datetimeFigureOut">
               <a:rPr lang="es-419" smtClean="0"/>
-              <a:t>18/9/2020</a:t>
+              <a:t>19/9/2020</a:t>
             </a:fld>
             <a:endParaRPr lang="es-419"/>
           </a:p>
@@ -2623,7 +2625,7 @@
           <a:p>
             <a:fld id="{3879AECE-A368-4EAB-B957-94611AB53746}" type="datetimeFigureOut">
               <a:rPr lang="es-419" smtClean="0"/>
-              <a:t>18/9/2020</a:t>
+              <a:t>19/9/2020</a:t>
             </a:fld>
             <a:endParaRPr lang="es-419"/>
           </a:p>
@@ -2885,7 +2887,7 @@
           <a:p>
             <a:fld id="{3879AECE-A368-4EAB-B957-94611AB53746}" type="datetimeFigureOut">
               <a:rPr lang="es-419" smtClean="0"/>
-              <a:t>18/9/2020</a:t>
+              <a:t>19/9/2020</a:t>
             </a:fld>
             <a:endParaRPr lang="es-419"/>
           </a:p>
@@ -3214,7 +3216,7 @@
           <a:p>
             <a:fld id="{3879AECE-A368-4EAB-B957-94611AB53746}" type="datetimeFigureOut">
               <a:rPr lang="es-419" smtClean="0"/>
-              <a:t>18/9/2020</a:t>
+              <a:t>19/9/2020</a:t>
             </a:fld>
             <a:endParaRPr lang="es-419"/>
           </a:p>
@@ -3537,7 +3539,7 @@
           <a:p>
             <a:fld id="{3879AECE-A368-4EAB-B957-94611AB53746}" type="datetimeFigureOut">
               <a:rPr lang="es-419" smtClean="0"/>
-              <a:t>18/9/2020</a:t>
+              <a:t>19/9/2020</a:t>
             </a:fld>
             <a:endParaRPr lang="es-419"/>
           </a:p>
@@ -3994,7 +3996,7 @@
           <a:p>
             <a:fld id="{3879AECE-A368-4EAB-B957-94611AB53746}" type="datetimeFigureOut">
               <a:rPr lang="es-419" smtClean="0"/>
-              <a:t>18/9/2020</a:t>
+              <a:t>19/9/2020</a:t>
             </a:fld>
             <a:endParaRPr lang="es-419"/>
           </a:p>
@@ -4199,7 +4201,7 @@
           <a:p>
             <a:fld id="{3879AECE-A368-4EAB-B957-94611AB53746}" type="datetimeFigureOut">
               <a:rPr lang="es-419" smtClean="0"/>
-              <a:t>18/9/2020</a:t>
+              <a:t>19/9/2020</a:t>
             </a:fld>
             <a:endParaRPr lang="es-419"/>
           </a:p>
@@ -4376,7 +4378,7 @@
           <a:p>
             <a:fld id="{3879AECE-A368-4EAB-B957-94611AB53746}" type="datetimeFigureOut">
               <a:rPr lang="es-419" smtClean="0"/>
-              <a:t>18/9/2020</a:t>
+              <a:t>19/9/2020</a:t>
             </a:fld>
             <a:endParaRPr lang="es-419"/>
           </a:p>
@@ -4709,7 +4711,7 @@
           <a:p>
             <a:fld id="{3879AECE-A368-4EAB-B957-94611AB53746}" type="datetimeFigureOut">
               <a:rPr lang="es-419" smtClean="0"/>
-              <a:t>18/9/2020</a:t>
+              <a:t>19/9/2020</a:t>
             </a:fld>
             <a:endParaRPr lang="es-419"/>
           </a:p>
@@ -5054,7 +5056,7 @@
           <a:p>
             <a:fld id="{3879AECE-A368-4EAB-B957-94611AB53746}" type="datetimeFigureOut">
               <a:rPr lang="es-419" smtClean="0"/>
-              <a:t>18/9/2020</a:t>
+              <a:t>19/9/2020</a:t>
             </a:fld>
             <a:endParaRPr lang="es-419"/>
           </a:p>
@@ -7171,7 +7173,7 @@
           <a:p>
             <a:fld id="{3879AECE-A368-4EAB-B957-94611AB53746}" type="datetimeFigureOut">
               <a:rPr lang="es-419" smtClean="0"/>
-              <a:t>18/9/2020</a:t>
+              <a:t>19/9/2020</a:t>
             </a:fld>
             <a:endParaRPr lang="es-419"/>
           </a:p>
@@ -8207,6 +8209,208 @@
 </p:sld>
 </file>
 
+<file path=ppt/slides/slide15.xml><?xml version="1.0" encoding="utf-8"?>
+<p:sld xmlns:a="http://schemas.openxmlformats.org/drawingml/2006/main" xmlns:r="http://schemas.openxmlformats.org/officeDocument/2006/relationships" xmlns:p="http://schemas.openxmlformats.org/presentationml/2006/main">
+  <p:cSld>
+    <p:spTree>
+      <p:nvGrpSpPr>
+        <p:cNvPr id="1" name=""/>
+        <p:cNvGrpSpPr/>
+        <p:nvPr/>
+      </p:nvGrpSpPr>
+      <p:grpSpPr>
+        <a:xfrm>
+          <a:off x="0" y="0"/>
+          <a:ext cx="0" cy="0"/>
+          <a:chOff x="0" y="0"/>
+          <a:chExt cx="0" cy="0"/>
+        </a:xfrm>
+      </p:grpSpPr>
+      <p:sp>
+        <p:nvSpPr>
+          <p:cNvPr id="2" name="Título 1">
+            <a:extLst>
+              <a:ext uri="{FF2B5EF4-FFF2-40B4-BE49-F238E27FC236}">
+                <a16:creationId xmlns:a16="http://schemas.microsoft.com/office/drawing/2014/main" id="{C3837DDC-3EBF-414C-9218-B9DE4BFA9E10}"/>
+              </a:ext>
+            </a:extLst>
+          </p:cNvPr>
+          <p:cNvSpPr>
+            <a:spLocks noGrp="1"/>
+          </p:cNvSpPr>
+          <p:nvPr>
+            <p:ph type="title"/>
+          </p:nvPr>
+        </p:nvSpPr>
+        <p:spPr/>
+        <p:txBody>
+          <a:bodyPr/>
+          <a:lstStyle/>
+          <a:p>
+            <a:r>
+              <a:rPr lang="es-ES" dirty="0"/>
+              <a:t>Patrón de capas</a:t>
+            </a:r>
+            <a:endParaRPr lang="es-419" dirty="0"/>
+          </a:p>
+        </p:txBody>
+      </p:sp>
+      <p:sp>
+        <p:nvSpPr>
+          <p:cNvPr id="3" name="Marcador de contenido 2">
+            <a:extLst>
+              <a:ext uri="{FF2B5EF4-FFF2-40B4-BE49-F238E27FC236}">
+                <a16:creationId xmlns:a16="http://schemas.microsoft.com/office/drawing/2014/main" id="{DCC7794F-BDAA-463E-ABB4-C38A7E40A694}"/>
+              </a:ext>
+            </a:extLst>
+          </p:cNvPr>
+          <p:cNvSpPr>
+            <a:spLocks noGrp="1"/>
+          </p:cNvSpPr>
+          <p:nvPr>
+            <p:ph idx="1"/>
+          </p:nvPr>
+        </p:nvSpPr>
+        <p:spPr/>
+        <p:txBody>
+          <a:bodyPr/>
+          <a:lstStyle/>
+          <a:p>
+            <a:r>
+              <a:rPr lang="es-ES" dirty="0"/>
+              <a:t>Se puede utilizar para estructurar programas que se pueden descomponer en grupos de subtareas, cada una de las cuales se encuentra en un nivel particular de abstracción. Cada capa proporciona servicios a la siguiente capa superior.</a:t>
+            </a:r>
+          </a:p>
+          <a:p>
+            <a:r>
+              <a:rPr lang="es-ES" dirty="0"/>
+              <a:t>Se usa en aplicaciones de escritorio generales y en aplicaciones web de comercio electrónico</a:t>
+            </a:r>
+          </a:p>
+          <a:p>
+            <a:r>
+              <a:rPr lang="es-ES" dirty="0"/>
+              <a:t>El objetivo primordial es la separación (desacoplamiento) de las partes que componen un sistema de software: lógica de negocios, cada de presentación y capa de datos. Así es más sencillo y mantenible crear diferentes interfaces sobre un mismo sistema sin requerir cambio en alguno en las otras capas.</a:t>
+            </a:r>
+            <a:endParaRPr lang="es-419" dirty="0"/>
+          </a:p>
+        </p:txBody>
+      </p:sp>
+    </p:spTree>
+    <p:extLst>
+      <p:ext uri="{BB962C8B-B14F-4D97-AF65-F5344CB8AC3E}">
+        <p14:creationId xmlns:p14="http://schemas.microsoft.com/office/powerpoint/2010/main" val="1576309354"/>
+      </p:ext>
+    </p:extLst>
+  </p:cSld>
+  <p:clrMapOvr>
+    <a:masterClrMapping/>
+  </p:clrMapOvr>
+</p:sld>
+</file>
+
+<file path=ppt/slides/slide16.xml><?xml version="1.0" encoding="utf-8"?>
+<p:sld xmlns:a="http://schemas.openxmlformats.org/drawingml/2006/main" xmlns:r="http://schemas.openxmlformats.org/officeDocument/2006/relationships" xmlns:p="http://schemas.openxmlformats.org/presentationml/2006/main">
+  <p:cSld>
+    <p:spTree>
+      <p:nvGrpSpPr>
+        <p:cNvPr id="1" name=""/>
+        <p:cNvGrpSpPr/>
+        <p:nvPr/>
+      </p:nvGrpSpPr>
+      <p:grpSpPr>
+        <a:xfrm>
+          <a:off x="0" y="0"/>
+          <a:ext cx="0" cy="0"/>
+          <a:chOff x="0" y="0"/>
+          <a:chExt cx="0" cy="0"/>
+        </a:xfrm>
+      </p:grpSpPr>
+      <p:sp>
+        <p:nvSpPr>
+          <p:cNvPr id="3" name="Marcador de contenido 2">
+            <a:extLst>
+              <a:ext uri="{FF2B5EF4-FFF2-40B4-BE49-F238E27FC236}">
+                <a16:creationId xmlns:a16="http://schemas.microsoft.com/office/drawing/2014/main" id="{CB515FEB-0524-456F-AB03-796B09BF0B34}"/>
+              </a:ext>
+            </a:extLst>
+          </p:cNvPr>
+          <p:cNvSpPr>
+            <a:spLocks noGrp="1"/>
+          </p:cNvSpPr>
+          <p:nvPr>
+            <p:ph idx="1"/>
+          </p:nvPr>
+        </p:nvSpPr>
+        <p:spPr>
+          <a:xfrm>
+            <a:off x="1688880" y="1148638"/>
+            <a:ext cx="4585311" cy="4560724"/>
+          </a:xfrm>
+        </p:spPr>
+        <p:txBody>
+          <a:bodyPr/>
+          <a:lstStyle/>
+          <a:p>
+            <a:r>
+              <a:rPr lang="es-ES" dirty="0"/>
+              <a:t>Tiene como ventaja que el desarrollo se puede llevar a cabo en varios niveles y, en caso de que se presente algún cambio solo afectará a esa capa sin revisar el código fuente de los otros módulos.</a:t>
+            </a:r>
+          </a:p>
+          <a:p>
+            <a:r>
+              <a:rPr lang="es-ES" dirty="0"/>
+              <a:t>Permite distribuir el trabajo de creación de una aplicación por niveles, así cada grupo está totalmente abstraído del resto de niveles. </a:t>
+            </a:r>
+          </a:p>
+          <a:p>
+            <a:endParaRPr lang="es-419" dirty="0"/>
+          </a:p>
+        </p:txBody>
+      </p:sp>
+      <p:pic>
+        <p:nvPicPr>
+          <p:cNvPr id="4" name="Imagen 3">
+            <a:extLst>
+              <a:ext uri="{FF2B5EF4-FFF2-40B4-BE49-F238E27FC236}">
+                <a16:creationId xmlns:a16="http://schemas.microsoft.com/office/drawing/2014/main" id="{9F15A3D5-A308-4B8E-B21F-82852137DC53}"/>
+              </a:ext>
+            </a:extLst>
+          </p:cNvPr>
+          <p:cNvPicPr>
+            <a:picLocks noChangeAspect="1"/>
+          </p:cNvPicPr>
+          <p:nvPr/>
+        </p:nvPicPr>
+        <p:blipFill>
+          <a:blip r:embed="rId2"/>
+          <a:stretch>
+            <a:fillRect/>
+          </a:stretch>
+        </p:blipFill>
+        <p:spPr>
+          <a:xfrm>
+            <a:off x="7063811" y="968110"/>
+            <a:ext cx="4029075" cy="4600575"/>
+          </a:xfrm>
+          <a:prstGeom prst="rect">
+            <a:avLst/>
+          </a:prstGeom>
+        </p:spPr>
+      </p:pic>
+    </p:spTree>
+    <p:extLst>
+      <p:ext uri="{BB962C8B-B14F-4D97-AF65-F5344CB8AC3E}">
+        <p14:creationId xmlns:p14="http://schemas.microsoft.com/office/powerpoint/2010/main" val="3467577886"/>
+      </p:ext>
+    </p:extLst>
+  </p:cSld>
+  <p:clrMapOvr>
+    <a:masterClrMapping/>
+  </p:clrMapOvr>
+</p:sld>
+</file>
+
 <file path=ppt/slides/slide2.xml><?xml version="1.0" encoding="utf-8"?>
 <p:sld xmlns:a="http://schemas.openxmlformats.org/drawingml/2006/main" xmlns:r="http://schemas.openxmlformats.org/officeDocument/2006/relationships" xmlns:p="http://schemas.openxmlformats.org/presentationml/2006/main">
   <p:cSld>
